--- a/project1-useSVM/baocao_zoo.pptx
+++ b/project1-useSVM/baocao_zoo.pptx
@@ -256,6 +256,7 @@
             <c:showLeaderLines val="0"/>
             <c:extLst>
               <c:ext xmlns:c15="http://schemas.microsoft.com/office/drawing/2012/chart" uri="{CE6537A1-D6FC-4f65-9D91-7224C49458BB}">
+                <c15:layout/>
                 <c15:showLeaderLines val="1"/>
                 <c15:leaderLines>
                   <c:spPr>
@@ -382,6 +383,7 @@
             <c:showLeaderLines val="0"/>
             <c:extLst>
               <c:ext xmlns:c15="http://schemas.microsoft.com/office/drawing/2012/chart" uri="{CE6537A1-D6FC-4f65-9D91-7224C49458BB}">
+                <c15:layout/>
                 <c15:showLeaderLines val="1"/>
                 <c15:leaderLines>
                   <c:spPr>
@@ -508,6 +510,7 @@
             <c:showLeaderLines val="0"/>
             <c:extLst>
               <c:ext xmlns:c15="http://schemas.microsoft.com/office/drawing/2012/chart" uri="{CE6537A1-D6FC-4f65-9D91-7224C49458BB}">
+                <c15:layout/>
                 <c15:showLeaderLines val="1"/>
                 <c15:leaderLines>
                   <c:spPr>
@@ -634,6 +637,7 @@
             <c:showLeaderLines val="0"/>
             <c:extLst>
               <c:ext xmlns:c15="http://schemas.microsoft.com/office/drawing/2012/chart" uri="{CE6537A1-D6FC-4f65-9D91-7224C49458BB}">
+                <c15:layout/>
                 <c15:showLeaderLines val="1"/>
                 <c15:leaderLines>
                   <c:spPr>
@@ -22333,7 +22337,7 @@
         </p:nvSpPr>
         <p:spPr>
           <a:xfrm>
-            <a:off x="1762583" y="1371600"/>
+            <a:off x="1762583" y="2563803"/>
             <a:ext cx="20129646" cy="9094797"/>
           </a:xfrm>
           <a:prstGeom prst="rect">
@@ -22522,27 +22526,7 @@
                 <a:latin typeface="Raleway ExtraBold"/>
                 <a:cs typeface="Times New Roman" panose="02020603050405020304" pitchFamily="18" charset="0"/>
               </a:rPr>
-              <a:t> </a:t>
-            </a:r>
-            <a:r>
-              <a:rPr lang="en-US" sz="4500" dirty="0" err="1" smtClean="0">
-                <a:solidFill>
-                  <a:schemeClr val="bg1"/>
-                </a:solidFill>
-                <a:latin typeface="Raleway ExtraBold"/>
-                <a:cs typeface="Times New Roman" panose="02020603050405020304" pitchFamily="18" charset="0"/>
-              </a:rPr>
-              <a:t>svm</a:t>
-            </a:r>
-            <a:r>
-              <a:rPr lang="en-US" sz="4500" dirty="0" smtClean="0">
-                <a:solidFill>
-                  <a:schemeClr val="bg1"/>
-                </a:solidFill>
-                <a:latin typeface="Raleway ExtraBold"/>
-                <a:cs typeface="Times New Roman" panose="02020603050405020304" pitchFamily="18" charset="0"/>
-              </a:rPr>
-              <a:t> </a:t>
+              <a:t> SVM </a:t>
             </a:r>
             <a:r>
               <a:rPr lang="en-US" sz="4500" dirty="0" err="1" smtClean="0">
@@ -22809,172 +22793,32 @@
             </a:endParaRPr>
           </a:p>
           <a:p>
-            <a:pPr marL="685800" indent="-685800">
+            <a:pPr marL="2133661" lvl="1" indent="-914400">
               <a:lnSpc>
                 <a:spcPct val="150000"/>
               </a:lnSpc>
               <a:buFont typeface="Wingdings" panose="05000000000000000000" pitchFamily="2" charset="2"/>
-              <a:buChar char="q"/>
+              <a:buChar char="Ø"/>
             </a:pPr>
             <a:r>
-              <a:rPr lang="en-US" sz="4500" dirty="0" err="1" smtClean="0">
+              <a:rPr lang="en-US" sz="4500" dirty="0" smtClean="0">
                 <a:solidFill>
                   <a:schemeClr val="bg1"/>
                 </a:solidFill>
                 <a:latin typeface="Raleway ExtraBold"/>
                 <a:cs typeface="Times New Roman" panose="02020603050405020304" pitchFamily="18" charset="0"/>
               </a:rPr>
-              <a:t>Với</a:t>
-            </a:r>
-            <a:r>
-              <a:rPr lang="en-US" sz="4500" dirty="0" smtClean="0">
+              <a:t>0</a:t>
+            </a:r>
+            <a:r>
+              <a:rPr lang="en-US" sz="4500" dirty="0">
                 <a:solidFill>
                   <a:schemeClr val="bg1"/>
                 </a:solidFill>
                 <a:latin typeface="Raleway ExtraBold"/>
                 <a:cs typeface="Times New Roman" panose="02020603050405020304" pitchFamily="18" charset="0"/>
               </a:rPr>
-              <a:t> </a:t>
-            </a:r>
-            <a:r>
-              <a:rPr lang="en-US" sz="4500" dirty="0" err="1" smtClean="0">
-                <a:solidFill>
-                  <a:schemeClr val="bg1"/>
-                </a:solidFill>
-                <a:latin typeface="Raleway ExtraBold"/>
-                <a:cs typeface="Times New Roman" panose="02020603050405020304" pitchFamily="18" charset="0"/>
-              </a:rPr>
-              <a:t>mỗi</a:t>
-            </a:r>
-            <a:r>
-              <a:rPr lang="en-US" sz="4500" dirty="0" smtClean="0">
-                <a:solidFill>
-                  <a:schemeClr val="bg1"/>
-                </a:solidFill>
-                <a:latin typeface="Raleway ExtraBold"/>
-                <a:cs typeface="Times New Roman" panose="02020603050405020304" pitchFamily="18" charset="0"/>
-              </a:rPr>
-              <a:t> </a:t>
-            </a:r>
-            <a:r>
-              <a:rPr lang="en-US" sz="4500" dirty="0" err="1" smtClean="0">
-                <a:solidFill>
-                  <a:schemeClr val="bg1"/>
-                </a:solidFill>
-                <a:latin typeface="Raleway ExtraBold"/>
-                <a:cs typeface="Times New Roman" panose="02020603050405020304" pitchFamily="18" charset="0"/>
-              </a:rPr>
-              <a:t>kerner</a:t>
-            </a:r>
-            <a:r>
-              <a:rPr lang="en-US" sz="4500" dirty="0" smtClean="0">
-                <a:solidFill>
-                  <a:schemeClr val="bg1"/>
-                </a:solidFill>
-                <a:latin typeface="Raleway ExtraBold"/>
-                <a:cs typeface="Times New Roman" panose="02020603050405020304" pitchFamily="18" charset="0"/>
-              </a:rPr>
-              <a:t> ta dung </a:t>
-            </a:r>
-            <a:r>
-              <a:rPr lang="en-US" sz="4500" dirty="0" err="1" smtClean="0">
-                <a:solidFill>
-                  <a:schemeClr val="bg1"/>
-                </a:solidFill>
-                <a:latin typeface="Raleway ExtraBold"/>
-                <a:cs typeface="Times New Roman" panose="02020603050405020304" pitchFamily="18" charset="0"/>
-              </a:rPr>
-              <a:t>tham</a:t>
-            </a:r>
-            <a:r>
-              <a:rPr lang="en-US" sz="4500" dirty="0" smtClean="0">
-                <a:solidFill>
-                  <a:schemeClr val="bg1"/>
-                </a:solidFill>
-                <a:latin typeface="Raleway ExtraBold"/>
-                <a:cs typeface="Times New Roman" panose="02020603050405020304" pitchFamily="18" charset="0"/>
-              </a:rPr>
-              <a:t> </a:t>
-            </a:r>
-            <a:r>
-              <a:rPr lang="en-US" sz="4500" dirty="0" err="1" smtClean="0">
-                <a:solidFill>
-                  <a:schemeClr val="bg1"/>
-                </a:solidFill>
-                <a:latin typeface="Raleway ExtraBold"/>
-                <a:cs typeface="Times New Roman" panose="02020603050405020304" pitchFamily="18" charset="0"/>
-              </a:rPr>
-              <a:t>số</a:t>
-            </a:r>
-            <a:r>
-              <a:rPr lang="en-US" sz="4500" dirty="0" smtClean="0">
-                <a:solidFill>
-                  <a:schemeClr val="bg1"/>
-                </a:solidFill>
-                <a:latin typeface="Raleway ExtraBold"/>
-                <a:cs typeface="Times New Roman" panose="02020603050405020304" pitchFamily="18" charset="0"/>
-              </a:rPr>
-              <a:t> c </a:t>
-            </a:r>
-            <a:r>
-              <a:rPr lang="en-US" sz="4500" dirty="0" err="1" smtClean="0">
-                <a:solidFill>
-                  <a:schemeClr val="bg1"/>
-                </a:solidFill>
-                <a:latin typeface="Raleway ExtraBold"/>
-                <a:cs typeface="Times New Roman" panose="02020603050405020304" pitchFamily="18" charset="0"/>
-              </a:rPr>
-              <a:t>thay</a:t>
-            </a:r>
-            <a:r>
-              <a:rPr lang="en-US" sz="4500" dirty="0" smtClean="0">
-                <a:solidFill>
-                  <a:schemeClr val="bg1"/>
-                </a:solidFill>
-                <a:latin typeface="Raleway ExtraBold"/>
-                <a:cs typeface="Times New Roman" panose="02020603050405020304" pitchFamily="18" charset="0"/>
-              </a:rPr>
-              <a:t> </a:t>
-            </a:r>
-            <a:r>
-              <a:rPr lang="en-US" sz="4500" dirty="0" err="1" smtClean="0">
-                <a:solidFill>
-                  <a:schemeClr val="bg1"/>
-                </a:solidFill>
-                <a:latin typeface="Raleway ExtraBold"/>
-                <a:cs typeface="Times New Roman" panose="02020603050405020304" pitchFamily="18" charset="0"/>
-              </a:rPr>
-              <a:t>đổi</a:t>
-            </a:r>
-            <a:r>
-              <a:rPr lang="en-US" sz="4500" dirty="0" smtClean="0">
-                <a:solidFill>
-                  <a:schemeClr val="bg1"/>
-                </a:solidFill>
-                <a:latin typeface="Raleway ExtraBold"/>
-                <a:cs typeface="Times New Roman" panose="02020603050405020304" pitchFamily="18" charset="0"/>
-              </a:rPr>
-              <a:t> </a:t>
-            </a:r>
-            <a:r>
-              <a:rPr lang="en-US" sz="4500" dirty="0" err="1" smtClean="0">
-                <a:solidFill>
-                  <a:schemeClr val="bg1"/>
-                </a:solidFill>
-                <a:latin typeface="Raleway ExtraBold"/>
-                <a:cs typeface="Times New Roman" panose="02020603050405020304" pitchFamily="18" charset="0"/>
-              </a:rPr>
-              <a:t>từ</a:t>
-            </a:r>
-            <a:r>
-              <a:rPr lang="en-US" sz="4500" dirty="0" smtClean="0">
-                <a:solidFill>
-                  <a:schemeClr val="bg1"/>
-                </a:solidFill>
-                <a:latin typeface="Raleway ExtraBold"/>
-                <a:cs typeface="Times New Roman" panose="02020603050405020304" pitchFamily="18" charset="0"/>
-              </a:rPr>
-              <a:t> 1,10,100,...1000000000.</a:t>
+              <a:t>: 'linear'</a:t>
             </a:r>
           </a:p>
           <a:p>
@@ -22986,24 +22830,14 @@
               <a:buChar char="Ø"/>
             </a:pPr>
             <a:r>
-              <a:rPr lang="en-US" sz="4500" dirty="0" smtClean="0">
+              <a:rPr lang="en-US" sz="4500" dirty="0">
                 <a:solidFill>
                   <a:schemeClr val="bg1"/>
                 </a:solidFill>
                 <a:latin typeface="Raleway ExtraBold"/>
                 <a:cs typeface="Times New Roman" panose="02020603050405020304" pitchFamily="18" charset="0"/>
               </a:rPr>
-              <a:t>0</a:t>
-            </a:r>
-            <a:r>
-              <a:rPr lang="en-US" sz="4500" dirty="0">
-                <a:solidFill>
-                  <a:schemeClr val="bg1"/>
-                </a:solidFill>
-                <a:latin typeface="Raleway ExtraBold"/>
-                <a:cs typeface="Times New Roman" panose="02020603050405020304" pitchFamily="18" charset="0"/>
-              </a:rPr>
-              <a:t>: 'linear'</a:t>
+              <a:t>1: 'polynomial'</a:t>
             </a:r>
           </a:p>
           <a:p>
@@ -23022,7 +22856,7 @@
                 <a:latin typeface="Raleway ExtraBold"/>
                 <a:cs typeface="Times New Roman" panose="02020603050405020304" pitchFamily="18" charset="0"/>
               </a:rPr>
-              <a:t>1: 'polynomial'</a:t>
+              <a:t>2: 'radial basis'</a:t>
             </a:r>
           </a:p>
           <a:p>
@@ -23041,36 +22875,196 @@
                 <a:latin typeface="Raleway ExtraBold"/>
                 <a:cs typeface="Times New Roman" panose="02020603050405020304" pitchFamily="18" charset="0"/>
               </a:rPr>
-              <a:t>2: 'radial basis'</a:t>
+              <a:t>3: 'sigmoid</a:t>
+            </a:r>
+            <a:r>
+              <a:rPr lang="en-US" sz="4500" dirty="0" smtClean="0">
+                <a:solidFill>
+                  <a:schemeClr val="bg1"/>
+                </a:solidFill>
+                <a:latin typeface="Raleway ExtraBold"/>
+                <a:cs typeface="Times New Roman" panose="02020603050405020304" pitchFamily="18" charset="0"/>
+              </a:rPr>
+              <a:t>’</a:t>
             </a:r>
           </a:p>
           <a:p>
-            <a:pPr marL="2133661" lvl="1" indent="-914400">
+            <a:pPr marL="914400" indent="-914400">
               <a:lnSpc>
                 <a:spcPct val="150000"/>
               </a:lnSpc>
               <a:buFont typeface="Wingdings" panose="05000000000000000000" pitchFamily="2" charset="2"/>
-              <a:buChar char="Ø"/>
+              <a:buChar char="q"/>
             </a:pPr>
             <a:r>
-              <a:rPr lang="en-US" sz="4500" dirty="0">
+              <a:rPr lang="en-US" sz="4500" dirty="0" err="1">
                 <a:solidFill>
                   <a:schemeClr val="bg1"/>
                 </a:solidFill>
                 <a:latin typeface="Raleway ExtraBold"/>
                 <a:cs typeface="Times New Roman" panose="02020603050405020304" pitchFamily="18" charset="0"/>
               </a:rPr>
-              <a:t>3: 'sigmoid</a:t>
-            </a:r>
-            <a:r>
-              <a:rPr lang="en-US" sz="4500" dirty="0" smtClean="0">
+              <a:t>Với</a:t>
+            </a:r>
+            <a:r>
+              <a:rPr lang="en-US" sz="4500" dirty="0">
                 <a:solidFill>
                   <a:schemeClr val="bg1"/>
                 </a:solidFill>
                 <a:latin typeface="Raleway ExtraBold"/>
                 <a:cs typeface="Times New Roman" panose="02020603050405020304" pitchFamily="18" charset="0"/>
               </a:rPr>
-              <a:t>’</a:t>
+              <a:t> </a:t>
+            </a:r>
+            <a:r>
+              <a:rPr lang="en-US" sz="4500" dirty="0" err="1">
+                <a:solidFill>
+                  <a:schemeClr val="bg1"/>
+                </a:solidFill>
+                <a:latin typeface="Raleway ExtraBold"/>
+                <a:cs typeface="Times New Roman" panose="02020603050405020304" pitchFamily="18" charset="0"/>
+              </a:rPr>
+              <a:t>mỗi</a:t>
+            </a:r>
+            <a:r>
+              <a:rPr lang="en-US" sz="4500" dirty="0">
+                <a:solidFill>
+                  <a:schemeClr val="bg1"/>
+                </a:solidFill>
+                <a:latin typeface="Raleway ExtraBold"/>
+                <a:cs typeface="Times New Roman" panose="02020603050405020304" pitchFamily="18" charset="0"/>
+              </a:rPr>
+              <a:t> kernel ta </a:t>
+            </a:r>
+            <a:r>
+              <a:rPr lang="en-US" sz="4500" dirty="0" err="1" smtClean="0">
+                <a:solidFill>
+                  <a:schemeClr val="bg1"/>
+                </a:solidFill>
+                <a:latin typeface="Raleway ExtraBold"/>
+                <a:cs typeface="Times New Roman" panose="02020603050405020304" pitchFamily="18" charset="0"/>
+              </a:rPr>
+              <a:t>dùng</a:t>
+            </a:r>
+            <a:r>
+              <a:rPr lang="en-US" sz="4500" dirty="0" smtClean="0">
+                <a:solidFill>
+                  <a:schemeClr val="bg1"/>
+                </a:solidFill>
+                <a:latin typeface="Raleway ExtraBold"/>
+                <a:cs typeface="Times New Roman" panose="02020603050405020304" pitchFamily="18" charset="0"/>
+              </a:rPr>
+              <a:t> </a:t>
+            </a:r>
+            <a:r>
+              <a:rPr lang="en-US" sz="4500" dirty="0" err="1">
+                <a:solidFill>
+                  <a:schemeClr val="bg1"/>
+                </a:solidFill>
+                <a:latin typeface="Raleway ExtraBold"/>
+                <a:cs typeface="Times New Roman" panose="02020603050405020304" pitchFamily="18" charset="0"/>
+              </a:rPr>
+              <a:t>tham</a:t>
+            </a:r>
+            <a:r>
+              <a:rPr lang="en-US" sz="4500" dirty="0">
+                <a:solidFill>
+                  <a:schemeClr val="bg1"/>
+                </a:solidFill>
+                <a:latin typeface="Raleway ExtraBold"/>
+                <a:cs typeface="Times New Roman" panose="02020603050405020304" pitchFamily="18" charset="0"/>
+              </a:rPr>
+              <a:t> </a:t>
+            </a:r>
+            <a:r>
+              <a:rPr lang="en-US" sz="4500" dirty="0" err="1">
+                <a:solidFill>
+                  <a:schemeClr val="bg1"/>
+                </a:solidFill>
+                <a:latin typeface="Raleway ExtraBold"/>
+                <a:cs typeface="Times New Roman" panose="02020603050405020304" pitchFamily="18" charset="0"/>
+              </a:rPr>
+              <a:t>số</a:t>
+            </a:r>
+            <a:r>
+              <a:rPr lang="en-US" sz="4500" dirty="0">
+                <a:solidFill>
+                  <a:schemeClr val="bg1"/>
+                </a:solidFill>
+                <a:latin typeface="Raleway ExtraBold"/>
+                <a:cs typeface="Times New Roman" panose="02020603050405020304" pitchFamily="18" charset="0"/>
+              </a:rPr>
+              <a:t> c </a:t>
+            </a:r>
+            <a:r>
+              <a:rPr lang="en-US" sz="4500" dirty="0" err="1">
+                <a:solidFill>
+                  <a:schemeClr val="bg1"/>
+                </a:solidFill>
+                <a:latin typeface="Raleway ExtraBold"/>
+                <a:cs typeface="Times New Roman" panose="02020603050405020304" pitchFamily="18" charset="0"/>
+              </a:rPr>
+              <a:t>thay</a:t>
+            </a:r>
+            <a:r>
+              <a:rPr lang="en-US" sz="4500" dirty="0">
+                <a:solidFill>
+                  <a:schemeClr val="bg1"/>
+                </a:solidFill>
+                <a:latin typeface="Raleway ExtraBold"/>
+                <a:cs typeface="Times New Roman" panose="02020603050405020304" pitchFamily="18" charset="0"/>
+              </a:rPr>
+              <a:t> </a:t>
+            </a:r>
+            <a:r>
+              <a:rPr lang="en-US" sz="4500" dirty="0" err="1">
+                <a:solidFill>
+                  <a:schemeClr val="bg1"/>
+                </a:solidFill>
+                <a:latin typeface="Raleway ExtraBold"/>
+                <a:cs typeface="Times New Roman" panose="02020603050405020304" pitchFamily="18" charset="0"/>
+              </a:rPr>
+              <a:t>đổi</a:t>
+            </a:r>
+            <a:r>
+              <a:rPr lang="en-US" sz="4500" dirty="0">
+                <a:solidFill>
+                  <a:schemeClr val="bg1"/>
+                </a:solidFill>
+                <a:latin typeface="Raleway ExtraBold"/>
+                <a:cs typeface="Times New Roman" panose="02020603050405020304" pitchFamily="18" charset="0"/>
+              </a:rPr>
+              <a:t> </a:t>
+            </a:r>
+            <a:r>
+              <a:rPr lang="en-US" sz="4500" dirty="0" err="1">
+                <a:solidFill>
+                  <a:schemeClr val="bg1"/>
+                </a:solidFill>
+                <a:latin typeface="Raleway ExtraBold"/>
+                <a:cs typeface="Times New Roman" panose="02020603050405020304" pitchFamily="18" charset="0"/>
+              </a:rPr>
+              <a:t>từ</a:t>
+            </a:r>
+            <a:r>
+              <a:rPr lang="en-US" sz="4500" dirty="0">
+                <a:solidFill>
+                  <a:schemeClr val="bg1"/>
+                </a:solidFill>
+                <a:latin typeface="Raleway ExtraBold"/>
+                <a:cs typeface="Times New Roman" panose="02020603050405020304" pitchFamily="18" charset="0"/>
+              </a:rPr>
+              <a:t> 1,10,100,...</a:t>
+            </a:r>
+            <a:r>
+              <a:rPr lang="en-US" sz="4500" dirty="0" smtClean="0">
+                <a:solidFill>
+                  <a:schemeClr val="bg1"/>
+                </a:solidFill>
+                <a:latin typeface="Raleway ExtraBold"/>
+                <a:cs typeface="Times New Roman" panose="02020603050405020304" pitchFamily="18" charset="0"/>
+              </a:rPr>
+              <a:t>1000000000</a:t>
             </a:r>
           </a:p>
           <a:p>
@@ -23260,174 +23254,11 @@
             </a:endParaRPr>
           </a:p>
           <a:p>
+            <a:r>
+              <a:rPr lang="en-US" sz="4500" dirty="0" smtClean="0"/>
+              <a:t>`</a:t>
+            </a:r>
             <a:endParaRPr lang="en-US" sz="4500" dirty="0"/>
-          </a:p>
-        </p:txBody>
-      </p:sp>
-      <p:sp>
-        <p:nvSpPr>
-          <p:cNvPr id="4" name="Right Arrow 3"/>
-          <p:cNvSpPr/>
-          <p:nvPr/>
-        </p:nvSpPr>
-        <p:spPr>
-          <a:xfrm>
-            <a:off x="2103409" y="10539684"/>
-            <a:ext cx="3505200" cy="1143000"/>
-          </a:xfrm>
-          <a:prstGeom prst="rightArrow">
-            <a:avLst/>
-          </a:prstGeom>
-          <a:solidFill>
-            <a:srgbClr val="92D050"/>
-          </a:solidFill>
-          <a:ln>
-            <a:noFill/>
-          </a:ln>
-          <a:effectLst/>
-        </p:spPr>
-        <p:style>
-          <a:lnRef idx="1">
-            <a:schemeClr val="accent1"/>
-          </a:lnRef>
-          <a:fillRef idx="3">
-            <a:schemeClr val="accent1"/>
-          </a:fillRef>
-          <a:effectRef idx="2">
-            <a:schemeClr val="accent1"/>
-          </a:effectRef>
-          <a:fontRef idx="minor">
-            <a:schemeClr val="lt1"/>
-          </a:fontRef>
-        </p:style>
-        <p:txBody>
-          <a:bodyPr rtlCol="0" anchor="ctr"/>
-          <a:lstStyle/>
-          <a:p>
-            <a:pPr algn="ctr"/>
-            <a:endParaRPr lang="en-US"/>
-          </a:p>
-        </p:txBody>
-      </p:sp>
-      <p:sp>
-        <p:nvSpPr>
-          <p:cNvPr id="8" name="TextBox 7"/>
-          <p:cNvSpPr txBox="1"/>
-          <p:nvPr/>
-        </p:nvSpPr>
-        <p:spPr>
-          <a:xfrm>
-            <a:off x="8154987" y="10667021"/>
-            <a:ext cx="8482283" cy="938719"/>
-          </a:xfrm>
-          <a:prstGeom prst="rect">
-            <a:avLst/>
-          </a:prstGeom>
-          <a:noFill/>
-        </p:spPr>
-        <p:txBody>
-          <a:bodyPr wrap="square" rtlCol="0">
-            <a:spAutoFit/>
-          </a:bodyPr>
-          <a:lstStyle/>
-          <a:p>
-            <a:r>
-              <a:rPr lang="en-US" sz="5500" dirty="0" err="1" smtClean="0">
-                <a:solidFill>
-                  <a:schemeClr val="bg1"/>
-                </a:solidFill>
-                <a:latin typeface="Raleway ExtraBold"/>
-                <a:cs typeface="Times New Roman" panose="02020603050405020304" pitchFamily="18" charset="0"/>
-              </a:rPr>
-              <a:t>Biểu</a:t>
-            </a:r>
-            <a:r>
-              <a:rPr lang="en-US" sz="5500" dirty="0" smtClean="0">
-                <a:solidFill>
-                  <a:schemeClr val="bg1"/>
-                </a:solidFill>
-                <a:latin typeface="Raleway ExtraBold"/>
-                <a:cs typeface="Times New Roman" panose="02020603050405020304" pitchFamily="18" charset="0"/>
-              </a:rPr>
-              <a:t> </a:t>
-            </a:r>
-            <a:r>
-              <a:rPr lang="en-US" sz="5500" dirty="0" err="1" smtClean="0">
-                <a:solidFill>
-                  <a:schemeClr val="bg1"/>
-                </a:solidFill>
-                <a:latin typeface="Raleway ExtraBold"/>
-                <a:cs typeface="Times New Roman" panose="02020603050405020304" pitchFamily="18" charset="0"/>
-              </a:rPr>
-              <a:t>đồ</a:t>
-            </a:r>
-            <a:r>
-              <a:rPr lang="en-US" sz="5500" dirty="0" smtClean="0">
-                <a:solidFill>
-                  <a:schemeClr val="bg1"/>
-                </a:solidFill>
-                <a:latin typeface="Raleway ExtraBold"/>
-                <a:cs typeface="Times New Roman" panose="02020603050405020304" pitchFamily="18" charset="0"/>
-              </a:rPr>
-              <a:t> so </a:t>
-            </a:r>
-            <a:r>
-              <a:rPr lang="en-US" sz="5500" dirty="0" err="1" smtClean="0">
-                <a:solidFill>
-                  <a:schemeClr val="bg1"/>
-                </a:solidFill>
-                <a:latin typeface="Raleway ExtraBold"/>
-                <a:cs typeface="Times New Roman" panose="02020603050405020304" pitchFamily="18" charset="0"/>
-              </a:rPr>
-              <a:t>sánh</a:t>
-            </a:r>
-            <a:r>
-              <a:rPr lang="en-US" sz="5500" dirty="0" smtClean="0">
-                <a:solidFill>
-                  <a:schemeClr val="bg1"/>
-                </a:solidFill>
-                <a:latin typeface="Raleway ExtraBold"/>
-                <a:cs typeface="Times New Roman" panose="02020603050405020304" pitchFamily="18" charset="0"/>
-              </a:rPr>
-              <a:t> </a:t>
-            </a:r>
-            <a:r>
-              <a:rPr lang="en-US" sz="5500" dirty="0" err="1" smtClean="0">
-                <a:solidFill>
-                  <a:schemeClr val="bg1"/>
-                </a:solidFill>
-                <a:latin typeface="Raleway ExtraBold"/>
-                <a:cs typeface="Times New Roman" panose="02020603050405020304" pitchFamily="18" charset="0"/>
-              </a:rPr>
-              <a:t>kết</a:t>
-            </a:r>
-            <a:r>
-              <a:rPr lang="en-US" sz="5500" dirty="0" smtClean="0">
-                <a:solidFill>
-                  <a:schemeClr val="bg1"/>
-                </a:solidFill>
-                <a:latin typeface="Raleway ExtraBold"/>
-                <a:cs typeface="Times New Roman" panose="02020603050405020304" pitchFamily="18" charset="0"/>
-              </a:rPr>
-              <a:t> </a:t>
-            </a:r>
-            <a:r>
-              <a:rPr lang="en-US" sz="5500" dirty="0" err="1" smtClean="0">
-                <a:solidFill>
-                  <a:schemeClr val="bg1"/>
-                </a:solidFill>
-                <a:latin typeface="Raleway ExtraBold"/>
-                <a:cs typeface="Times New Roman" panose="02020603050405020304" pitchFamily="18" charset="0"/>
-              </a:rPr>
-              <a:t>quả</a:t>
-            </a:r>
-            <a:endParaRPr lang="en-US" sz="5500" dirty="0">
-              <a:solidFill>
-                <a:schemeClr val="bg1"/>
-              </a:solidFill>
-              <a:latin typeface="Raleway ExtraBold"/>
-              <a:cs typeface="Times New Roman" panose="02020603050405020304" pitchFamily="18" charset="0"/>
-            </a:endParaRPr>
           </a:p>
         </p:txBody>
       </p:sp>
@@ -23497,7 +23328,11 @@
           <a:p>
             <a:r>
               <a:rPr lang="en-US" dirty="0" smtClean="0"/>
-              <a:t>II. HUẤN LUYỆN MÔ HÌNH</a:t>
+              <a:t>III. </a:t>
+            </a:r>
+            <a:r>
+              <a:rPr lang="en-US" dirty="0" smtClean="0"/>
+              <a:t>ĐÁNH GIÁ MÔ HÌNH</a:t>
             </a:r>
             <a:endParaRPr lang="en-US" dirty="0"/>
           </a:p>
@@ -23936,7 +23771,7 @@
           <a:p>
             <a:r>
               <a:rPr lang="en-US" dirty="0" smtClean="0"/>
-              <a:t>II. ĐÁNH GIÁ MÔ HÌNH</a:t>
+              <a:t>III. ĐÁNH GIÁ MÔ HÌNH</a:t>
             </a:r>
             <a:endParaRPr lang="en-US" dirty="0"/>
           </a:p>
@@ -24168,7 +24003,7 @@
         <p:spPr>
           <a:xfrm>
             <a:off x="10288587" y="3841303"/>
-            <a:ext cx="8870270" cy="2438400"/>
+            <a:ext cx="10363200" cy="2438400"/>
           </a:xfrm>
           <a:prstGeom prst="roundRect">
             <a:avLst/>
@@ -24215,7 +24050,17 @@
                 <a:latin typeface="Raleway ExtraBold"/>
                 <a:cs typeface="Times New Roman" panose="02020603050405020304" pitchFamily="18" charset="0"/>
               </a:rPr>
-              <a:t> linear </a:t>
+              <a:t> </a:t>
+            </a:r>
+            <a:r>
+              <a:rPr lang="en-US" sz="4500" dirty="0" smtClean="0">
+                <a:solidFill>
+                  <a:schemeClr val="bg1"/>
+                </a:solidFill>
+                <a:latin typeface="Raleway ExtraBold"/>
+                <a:cs typeface="Times New Roman" panose="02020603050405020304" pitchFamily="18" charset="0"/>
+              </a:rPr>
+              <a:t>kernel linear </a:t>
             </a:r>
             <a:r>
               <a:rPr lang="en-US" sz="4500" dirty="0" err="1">
@@ -24421,52 +24266,84 @@
       </p:sp>
       <p:sp>
         <p:nvSpPr>
-          <p:cNvPr id="6" name="TextBox 5"/>
-          <p:cNvSpPr txBox="1"/>
-          <p:nvPr/>
+          <p:cNvPr id="4" name="Text Placeholder 2"/>
+          <p:cNvSpPr>
+            <a:spLocks noGrp="1"/>
+          </p:cNvSpPr>
+          <p:nvPr>
+            <p:ph type="body" sz="quarter" idx="13"/>
+          </p:nvPr>
         </p:nvSpPr>
         <p:spPr>
           <a:xfrm>
-            <a:off x="3201987" y="4480649"/>
-            <a:ext cx="16992600" cy="3170099"/>
+            <a:off x="2112708" y="340660"/>
+            <a:ext cx="19429396" cy="1462152"/>
+          </a:xfrm>
+        </p:spPr>
+        <p:txBody>
+          <a:bodyPr/>
+          <a:lstStyle/>
+          <a:p>
+            <a:r>
+              <a:rPr lang="en-US" dirty="0" smtClean="0"/>
+              <a:t>IV. DEMO</a:t>
+            </a:r>
+            <a:endParaRPr lang="en-US" dirty="0"/>
+          </a:p>
+        </p:txBody>
+      </p:sp>
+      <p:pic>
+        <p:nvPicPr>
+          <p:cNvPr id="7" name="Picture 6"/>
+          <p:cNvPicPr/>
+          <p:nvPr/>
+        </p:nvPicPr>
+        <p:blipFill>
+          <a:blip r:embed="rId2"/>
+          <a:stretch>
+            <a:fillRect/>
+          </a:stretch>
+        </p:blipFill>
+        <p:spPr>
+          <a:xfrm>
+            <a:off x="1315957" y="2133599"/>
+            <a:ext cx="21857012" cy="10442795"/>
           </a:xfrm>
           <a:prstGeom prst="rect">
             <a:avLst/>
           </a:prstGeom>
-          <a:noFill/>
-          <a:ln>
-            <a:solidFill>
-              <a:schemeClr val="accent4"/>
-            </a:solidFill>
-          </a:ln>
         </p:spPr>
-        <p:txBody>
-          <a:bodyPr wrap="square" rtlCol="0">
-            <a:spAutoFit/>
-          </a:bodyPr>
-          <a:lstStyle/>
-          <a:p>
-            <a:pPr algn="ctr"/>
-            <a:r>
-              <a:rPr lang="en-US" sz="20000" dirty="0" smtClean="0">
-                <a:solidFill>
-                  <a:schemeClr val="bg1"/>
-                </a:solidFill>
-                <a:latin typeface="Raleway ExtraBold"/>
-                <a:cs typeface="Times New Roman" panose="02020603050405020304" pitchFamily="18" charset="0"/>
-              </a:rPr>
-              <a:t>DEMO</a:t>
-            </a:r>
-            <a:endParaRPr lang="en-US" sz="20000" dirty="0">
-              <a:solidFill>
-                <a:schemeClr val="bg1"/>
-              </a:solidFill>
-              <a:latin typeface="Raleway ExtraBold"/>
-              <a:cs typeface="Times New Roman" panose="02020603050405020304" pitchFamily="18" charset="0"/>
-            </a:endParaRPr>
-          </a:p>
-        </p:txBody>
-      </p:sp>
+      </p:pic>
+      <p:pic>
+        <p:nvPicPr>
+          <p:cNvPr id="8" name="Picture 7"/>
+          <p:cNvPicPr>
+            <a:picLocks noChangeAspect="1"/>
+          </p:cNvPicPr>
+          <p:nvPr/>
+        </p:nvPicPr>
+        <p:blipFill>
+          <a:blip r:embed="rId3">
+            <a:extLst>
+              <a:ext uri="{28A0092B-C50C-407E-A947-70E740481C1C}">
+                <a14:useLocalDpi xmlns:a14="http://schemas.microsoft.com/office/drawing/2010/main" val="0"/>
+              </a:ext>
+            </a:extLst>
+          </a:blip>
+          <a:stretch>
+            <a:fillRect/>
+          </a:stretch>
+        </p:blipFill>
+        <p:spPr>
+          <a:xfrm>
+            <a:off x="16827" y="10210800"/>
+            <a:ext cx="4398145" cy="3136282"/>
+          </a:xfrm>
+          <a:prstGeom prst="rect">
+            <a:avLst/>
+          </a:prstGeom>
+        </p:spPr>
+      </p:pic>
     </p:spTree>
     <p:extLst>
       <p:ext uri="{BB962C8B-B14F-4D97-AF65-F5344CB8AC3E}">
@@ -25498,7 +25375,7 @@
                 </a:solidFill>
                 <a:latin typeface="Raleway ExtraBold"/>
               </a:rPr>
-              <a:t>GIỚI THIỆU TẬP DỮ LIỆU ZOO</a:t>
+              <a:t>GIỚI THIỆU TẬP DỮ LIỆU</a:t>
             </a:r>
           </a:p>
           <a:p>
@@ -25686,15 +25563,22 @@
           <a:p>
             <a:pPr algn="ctr"/>
             <a:r>
-              <a:rPr lang="en-US" sz="4000" dirty="0">
+              <a:rPr lang="en-US" sz="4000" dirty="0" smtClean="0">
                 <a:solidFill>
                   <a:schemeClr val="bg2"/>
                 </a:solidFill>
                 <a:latin typeface="Raleway ExtraBold"/>
                 <a:cs typeface="Raleway ExtraBold"/>
               </a:rPr>
-              <a:t>Dataset Zoo</a:t>
-            </a:r>
+              <a:t>Zoo</a:t>
+            </a:r>
+            <a:endParaRPr lang="en-US" sz="4000" dirty="0">
+              <a:solidFill>
+                <a:schemeClr val="bg2"/>
+              </a:solidFill>
+              <a:latin typeface="Raleway ExtraBold"/>
+              <a:cs typeface="Raleway ExtraBold"/>
+            </a:endParaRPr>
           </a:p>
         </p:txBody>
       </p:sp>
@@ -33318,7 +33202,7 @@
             </a:r>
             <a:r>
               <a:rPr lang="en-US" sz="4400" dirty="0" err="1" smtClean="0"/>
-              <a:t>đặc</a:t>
+              <a:t>thuộc</a:t>
             </a:r>
             <a:r>
               <a:rPr lang="en-US" sz="4400" dirty="0" smtClean="0"/>
@@ -33326,7 +33210,7 @@
             </a:r>
             <a:r>
               <a:rPr lang="en-US" sz="4400" dirty="0" err="1" smtClean="0"/>
-              <a:t>trưng</a:t>
+              <a:t>tính</a:t>
             </a:r>
             <a:r>
               <a:rPr lang="en-US" sz="4400" dirty="0" smtClean="0"/>
@@ -33334,7 +33218,7 @@
             </a:r>
             <a:r>
               <a:rPr lang="en-US" sz="4400" dirty="0" err="1" smtClean="0"/>
-              <a:t>thuộc</a:t>
+              <a:t>đặc</a:t>
             </a:r>
             <a:r>
               <a:rPr lang="en-US" sz="4400" dirty="0" smtClean="0"/>
@@ -33342,7 +33226,7 @@
             </a:r>
             <a:r>
               <a:rPr lang="en-US" sz="4400" dirty="0" err="1" smtClean="0"/>
-              <a:t>tính</a:t>
+              <a:t>trưng</a:t>
             </a:r>
             <a:r>
               <a:rPr lang="en-US" sz="4400" dirty="0" smtClean="0"/>
